--- a/Презентация.pptx
+++ b/Презентация.pptx
@@ -660,7 +660,7 @@
             </a:pPr>
             <a:fld id="{1D8BD707-D9CF-40AE-B4C6-C98DA3205C09}" type="datetimeFigureOut">
               <a:rPr lang="en-US"/>
-              <a:t>4/20/24</a:t>
+              <a:t>4/21/24</a:t>
             </a:fld>
             <a:endParaRPr lang="en-US"/>
           </a:p>
@@ -1175,7 +1175,7 @@
           <a:p>
             <a:fld id="{4583FB6F-ACA5-4987-9D7D-422181772236}" type="datetimeFigureOut">
               <a:rPr lang="ru-RU" smtClean="0"/>
-              <a:t>20.04.2024</a:t>
+              <a:t>21.04.2024</a:t>
             </a:fld>
             <a:endParaRPr lang="ru-RU"/>
           </a:p>
@@ -2281,7 +2281,7 @@
           <a:p>
             <a:fld id="{4583FB6F-ACA5-4987-9D7D-422181772236}" type="datetimeFigureOut">
               <a:rPr lang="ru-RU" smtClean="0"/>
-              <a:t>20.04.2024</a:t>
+              <a:t>21.04.2024</a:t>
             </a:fld>
             <a:endParaRPr lang="ru-RU"/>
           </a:p>
@@ -2499,7 +2499,7 @@
             </a:pPr>
             <a:fld id="{1D8BD707-D9CF-40AE-B4C6-C98DA3205C09}" type="datetimeFigureOut">
               <a:rPr lang="en-US"/>
-              <a:t>4/20/24</a:t>
+              <a:t>4/21/24</a:t>
             </a:fld>
             <a:endParaRPr lang="en-US"/>
           </a:p>
@@ -2726,7 +2726,7 @@
           <a:p>
             <a:fld id="{4583FB6F-ACA5-4987-9D7D-422181772236}" type="datetimeFigureOut">
               <a:rPr lang="ru-RU" smtClean="0"/>
-              <a:t>20.04.2024</a:t>
+              <a:t>21.04.2024</a:t>
             </a:fld>
             <a:endParaRPr lang="ru-RU"/>
           </a:p>
@@ -4070,13 +4070,13 @@
         </p:nvSpPr>
         <p:spPr>
           <a:xfrm>
-            <a:off x="515679" y="1088074"/>
-            <a:ext cx="11481391" cy="3449784"/>
+            <a:off x="515679" y="1088073"/>
+            <a:ext cx="11481391" cy="4445827"/>
           </a:xfrm>
         </p:spPr>
         <p:txBody>
           <a:bodyPr>
-            <a:normAutofit lnSpcReduction="10000"/>
+            <a:normAutofit/>
           </a:bodyPr>
           <a:lstStyle/>
           <a:p>
@@ -4168,7 +4168,20 @@
                 <a:effectLst/>
                 <a:latin typeface="__Karla_555e8b"/>
               </a:rPr>
-              <a:t>Цель проекта</a:t>
+              <a:t>Цел</a:t>
+            </a:r>
+            <a:r>
+              <a:rPr lang="ru-RU" sz="2600" b="1" u="sng" dirty="0">
+                <a:latin typeface="__Karla_555e8b"/>
+              </a:rPr>
+              <a:t>и</a:t>
+            </a:r>
+            <a:r>
+              <a:rPr lang="ru-RU" sz="2600" b="1" i="0" u="sng" dirty="0">
+                <a:effectLst/>
+                <a:latin typeface="__Karla_555e8b"/>
+              </a:rPr>
+              <a:t> проекта</a:t>
             </a:r>
             <a:r>
               <a:rPr lang="ru-RU" sz="2600" b="1" i="0" dirty="0">
@@ -4182,7 +4195,21 @@
                 <a:effectLst/>
                 <a:latin typeface="__Karla_555e8b"/>
               </a:rPr>
-              <a:t> Разработка и применение </a:t>
+              <a:t> </a:t>
+            </a:r>
+            <a:r>
+              <a:rPr lang="ru-RU" sz="2600" b="1" i="0" dirty="0">
+                <a:effectLst/>
+                <a:latin typeface="__Karla_555e8b"/>
+              </a:rPr>
+              <a:t>1.</a:t>
+            </a:r>
+            <a:r>
+              <a:rPr lang="ru-RU" sz="2600" b="0" i="0" dirty="0">
+                <a:effectLst/>
+                <a:latin typeface="__Karla_555e8b"/>
+              </a:rPr>
+              <a:t>Разработка и применение </a:t>
             </a:r>
             <a:r>
               <a:rPr lang="ru-RU" sz="2600" b="0" i="1" dirty="0">
@@ -4212,6 +4239,43 @@
               </a:rPr>
               <a:t>для рекомендации похожих пользователей и потенциальных совпадений на основе их предпочтений и взаимодействий</a:t>
             </a:r>
+          </a:p>
+          <a:p>
+            <a:pPr marL="457200" indent="0">
+              <a:buNone/>
+            </a:pPr>
+            <a:r>
+              <a:rPr lang="ru-RU" sz="2600" dirty="0">
+                <a:latin typeface="__Karla_555e8b"/>
+              </a:rPr>
+              <a:t>                      </a:t>
+            </a:r>
+            <a:r>
+              <a:rPr lang="ru-RU" sz="2600" b="1" dirty="0">
+                <a:latin typeface="__Karla_555e8b"/>
+              </a:rPr>
+              <a:t>2</a:t>
+            </a:r>
+            <a:r>
+              <a:rPr lang="ru-RU" sz="2600" dirty="0">
+                <a:latin typeface="__Karla_555e8b"/>
+              </a:rPr>
+              <a:t>.Упаковка модели в сервис по </a:t>
+            </a:r>
+            <a:r>
+              <a:rPr lang="en-US" sz="2600" dirty="0">
+                <a:latin typeface="__Karla_555e8b"/>
+              </a:rPr>
+              <a:t>API (flask)</a:t>
+            </a:r>
+            <a:endParaRPr lang="ru-RU" dirty="0">
+              <a:effectLst/>
+            </a:endParaRPr>
+          </a:p>
+          <a:p>
+            <a:pPr marL="2090738" indent="-2090738" algn="l">
+              <a:buNone/>
+            </a:pPr>
             <a:endParaRPr lang="en-US" sz="2600" b="0" i="0" dirty="0">
               <a:effectLst/>
               <a:latin typeface="__Karla_555e8b"/>
@@ -4307,7 +4371,7 @@
         </p:nvSpPr>
         <p:spPr>
           <a:xfrm>
-            <a:off x="515678" y="4680359"/>
+            <a:off x="515679" y="5416629"/>
             <a:ext cx="9693033" cy="461665"/>
           </a:xfrm>
           <a:prstGeom prst="rect">
